--- a/[HiveMind] KKRudesWebapp.pptx
+++ b/[HiveMind] KKRudesWebapp.pptx
@@ -58543,13 +58543,13 @@
   <p:clrMapOvr>
     <a:masterClrMapping/>
   </p:clrMapOvr>
-  <mc:AlternateContent xmlns:mc="http://schemas.openxmlformats.org/markup-compatibility/2006">
-    <mc:Choice xmlns:p14="http://schemas.microsoft.com/office/powerpoint/2010/main" Requires="p14">
+  <mc:AlternateContent xmlns:mc="http://schemas.openxmlformats.org/markup-compatibility/2006" xmlns:p14="http://schemas.microsoft.com/office/powerpoint/2010/main">
+    <mc:Choice Requires="p14">
       <p:transition spd="med" p14:dur="700">
         <p:fade/>
       </p:transition>
     </mc:Choice>
-    <mc:Fallback>
+    <mc:Fallback xmlns="">
       <p:transition spd="med">
         <p:fade/>
       </p:transition>
@@ -58681,13 +58681,13 @@
   <p:clrMapOvr>
     <a:masterClrMapping/>
   </p:clrMapOvr>
-  <mc:AlternateContent xmlns:mc="http://schemas.openxmlformats.org/markup-compatibility/2006">
-    <mc:Choice xmlns:p14="http://schemas.microsoft.com/office/powerpoint/2010/main" Requires="p14">
+  <mc:AlternateContent xmlns:mc="http://schemas.openxmlformats.org/markup-compatibility/2006" xmlns:p14="http://schemas.microsoft.com/office/powerpoint/2010/main">
+    <mc:Choice Requires="p14">
       <p:transition spd="med" p14:dur="700">
         <p:fade/>
       </p:transition>
     </mc:Choice>
-    <mc:Fallback>
+    <mc:Fallback xmlns="">
       <p:transition spd="med">
         <p:fade/>
       </p:transition>
@@ -58751,6 +58751,48 @@
           <a:lstStyle/>
           <a:p>
             <a:r>
+              <a:rPr lang="hr-HR" b="1" i="1" u="sng" dirty="0">
+                <a:effectLst>
+                  <a:outerShdw blurRad="38100" dist="38100" dir="2700000" algn="tl">
+                    <a:srgbClr val="000000">
+                      <a:alpha val="43137"/>
+                    </a:srgbClr>
+                  </a:outerShdw>
+                </a:effectLst>
+                <a:sym typeface="Wingdings" panose="05000000000000000000" pitchFamily="2" charset="2"/>
+              </a:rPr>
+              <a:t>Ana </a:t>
+            </a:r>
+            <a:r>
+              <a:rPr lang="hr-HR" b="1" i="1" u="sng" dirty="0" err="1">
+                <a:effectLst>
+                  <a:outerShdw blurRad="38100" dist="38100" dir="2700000" algn="tl">
+                    <a:srgbClr val="000000">
+                      <a:alpha val="43137"/>
+                    </a:srgbClr>
+                  </a:outerShdw>
+                </a:effectLst>
+                <a:sym typeface="Wingdings" panose="05000000000000000000" pitchFamily="2" charset="2"/>
+              </a:rPr>
+              <a:t>Šobot</a:t>
+            </a:r>
+            <a:r>
+              <a:rPr lang="hr-HR" dirty="0">
+                <a:sym typeface="Wingdings" panose="05000000000000000000" pitchFamily="2" charset="2"/>
+              </a:rPr>
+              <a:t>  </a:t>
+            </a:r>
+            <a:r>
+              <a:rPr lang="hr-HR" dirty="0">
+                <a:sym typeface="Wingdings" panose="05000000000000000000" pitchFamily="2" charset="2"/>
+                <a:hlinkClick r:id="rId2"/>
+              </a:rPr>
+              <a:t>Ana.Sobot@fer.hr</a:t>
+            </a:r>
+            <a:endParaRPr lang="hr-HR" dirty="0"/>
+          </a:p>
+          <a:p>
+            <a:r>
               <a:rPr lang="hr-HR" dirty="0"/>
               <a:t>Frano Rajič </a:t>
             </a:r>
@@ -58766,7 +58808,7 @@
             </a:r>
             <a:r>
               <a:rPr lang="hr-HR" dirty="0">
-                <a:hlinkClick r:id="rId2"/>
+                <a:hlinkClick r:id="rId3"/>
               </a:rPr>
               <a:t>Frano.Rajic@fer.hr</a:t>
             </a:r>
@@ -58786,7 +58828,7 @@
             <a:r>
               <a:rPr lang="hr-HR" dirty="0">
                 <a:sym typeface="Wingdings" panose="05000000000000000000" pitchFamily="2" charset="2"/>
-                <a:hlinkClick r:id="rId3"/>
+                <a:hlinkClick r:id="rId4"/>
               </a:rPr>
               <a:t>Filip.Todoric@fer.hr</a:t>
             </a:r>
@@ -58804,7 +58846,7 @@
             <a:r>
               <a:rPr lang="hr-HR" dirty="0">
                 <a:sym typeface="Wingdings" panose="05000000000000000000" pitchFamily="2" charset="2"/>
-                <a:hlinkClick r:id="rId4"/>
+                <a:hlinkClick r:id="rId5"/>
               </a:rPr>
               <a:t>Danica.Vladic@fer.hr</a:t>
             </a:r>
@@ -58822,27 +58864,9 @@
             <a:r>
               <a:rPr lang="hr-HR" dirty="0">
                 <a:sym typeface="Wingdings" panose="05000000000000000000" pitchFamily="2" charset="2"/>
-                <a:hlinkClick r:id="rId5"/>
+                <a:hlinkClick r:id="rId6"/>
               </a:rPr>
               <a:t>Dorotea.Franjic@fer.hr</a:t>
-            </a:r>
-            <a:endParaRPr lang="hr-HR" dirty="0">
-              <a:sym typeface="Wingdings" panose="05000000000000000000" pitchFamily="2" charset="2"/>
-            </a:endParaRPr>
-          </a:p>
-          <a:p>
-            <a:r>
-              <a:rPr lang="hr-HR" dirty="0">
-                <a:sym typeface="Wingdings" panose="05000000000000000000" pitchFamily="2" charset="2"/>
-              </a:rPr>
-              <a:t>Ana Šobot  </a:t>
-            </a:r>
-            <a:r>
-              <a:rPr lang="hr-HR" dirty="0">
-                <a:sym typeface="Wingdings" panose="05000000000000000000" pitchFamily="2" charset="2"/>
-                <a:hlinkClick r:id="rId6"/>
-              </a:rPr>
-              <a:t>Ana.Sobot@fer.hr</a:t>
             </a:r>
             <a:endParaRPr lang="hr-HR" dirty="0">
               <a:sym typeface="Wingdings" panose="05000000000000000000" pitchFamily="2" charset="2"/>
@@ -58919,13 +58943,13 @@
   <p:clrMapOvr>
     <a:masterClrMapping/>
   </p:clrMapOvr>
-  <mc:AlternateContent xmlns:mc="http://schemas.openxmlformats.org/markup-compatibility/2006">
-    <mc:Choice xmlns:p14="http://schemas.microsoft.com/office/powerpoint/2010/main" Requires="p14">
+  <mc:AlternateContent xmlns:mc="http://schemas.openxmlformats.org/markup-compatibility/2006" xmlns:p14="http://schemas.microsoft.com/office/powerpoint/2010/main">
+    <mc:Choice Requires="p14">
       <p:transition spd="med" p14:dur="700">
         <p:fade/>
       </p:transition>
     </mc:Choice>
-    <mc:Fallback>
+    <mc:Fallback xmlns="">
       <p:transition spd="med">
         <p:fade/>
       </p:transition>
@@ -59092,13 +59116,13 @@
   <p:clrMapOvr>
     <a:masterClrMapping/>
   </p:clrMapOvr>
-  <mc:AlternateContent xmlns:mc="http://schemas.openxmlformats.org/markup-compatibility/2006">
-    <mc:Choice xmlns:p14="http://schemas.microsoft.com/office/powerpoint/2010/main" Requires="p14">
+  <mc:AlternateContent xmlns:mc="http://schemas.openxmlformats.org/markup-compatibility/2006" xmlns:p14="http://schemas.microsoft.com/office/powerpoint/2010/main">
+    <mc:Choice Requires="p14">
       <p:transition spd="med" p14:dur="700">
         <p:fade/>
       </p:transition>
     </mc:Choice>
-    <mc:Fallback>
+    <mc:Fallback xmlns="">
       <p:transition spd="med">
         <p:fade/>
       </p:transition>
@@ -59231,13 +59255,13 @@
   <p:clrMapOvr>
     <a:masterClrMapping/>
   </p:clrMapOvr>
-  <mc:AlternateContent xmlns:mc="http://schemas.openxmlformats.org/markup-compatibility/2006">
-    <mc:Choice xmlns:p14="http://schemas.microsoft.com/office/powerpoint/2010/main" Requires="p14">
+  <mc:AlternateContent xmlns:mc="http://schemas.openxmlformats.org/markup-compatibility/2006" xmlns:p14="http://schemas.microsoft.com/office/powerpoint/2010/main">
+    <mc:Choice Requires="p14">
       <p:transition spd="med" p14:dur="700">
         <p:fade/>
       </p:transition>
     </mc:Choice>
-    <mc:Fallback>
+    <mc:Fallback xmlns="">
       <p:transition spd="med">
         <p:fade/>
       </p:transition>
@@ -59441,13 +59465,13 @@
   <p:clrMapOvr>
     <a:masterClrMapping/>
   </p:clrMapOvr>
-  <mc:AlternateContent xmlns:mc="http://schemas.openxmlformats.org/markup-compatibility/2006">
-    <mc:Choice xmlns:p14="http://schemas.microsoft.com/office/powerpoint/2010/main" Requires="p14">
+  <mc:AlternateContent xmlns:mc="http://schemas.openxmlformats.org/markup-compatibility/2006" xmlns:p14="http://schemas.microsoft.com/office/powerpoint/2010/main">
+    <mc:Choice Requires="p14">
       <p:transition spd="med" p14:dur="700">
         <p:fade/>
       </p:transition>
     </mc:Choice>
-    <mc:Fallback>
+    <mc:Fallback xmlns="">
       <p:transition spd="med">
         <p:fade/>
       </p:transition>
@@ -59599,13 +59623,13 @@
   <p:clrMapOvr>
     <a:masterClrMapping/>
   </p:clrMapOvr>
-  <mc:AlternateContent xmlns:mc="http://schemas.openxmlformats.org/markup-compatibility/2006">
-    <mc:Choice xmlns:p14="http://schemas.microsoft.com/office/powerpoint/2010/main" Requires="p14">
+  <mc:AlternateContent xmlns:mc="http://schemas.openxmlformats.org/markup-compatibility/2006" xmlns:p14="http://schemas.microsoft.com/office/powerpoint/2010/main">
+    <mc:Choice Requires="p14">
       <p:transition spd="med" p14:dur="700">
         <p:fade/>
       </p:transition>
     </mc:Choice>
-    <mc:Fallback>
+    <mc:Fallback xmlns="">
       <p:transition spd="med">
         <p:fade/>
       </p:transition>
@@ -59757,13 +59781,13 @@
   <p:clrMapOvr>
     <a:masterClrMapping/>
   </p:clrMapOvr>
-  <mc:AlternateContent xmlns:mc="http://schemas.openxmlformats.org/markup-compatibility/2006">
-    <mc:Choice xmlns:p14="http://schemas.microsoft.com/office/powerpoint/2010/main" Requires="p14">
+  <mc:AlternateContent xmlns:mc="http://schemas.openxmlformats.org/markup-compatibility/2006" xmlns:p14="http://schemas.microsoft.com/office/powerpoint/2010/main">
+    <mc:Choice Requires="p14">
       <p:transition spd="med" p14:dur="700">
         <p:fade/>
       </p:transition>
     </mc:Choice>
-    <mc:Fallback>
+    <mc:Fallback xmlns="">
       <p:transition spd="med">
         <p:fade/>
       </p:transition>
@@ -59842,7 +59866,23 @@
             <a:pPr lvl="2"/>
             <a:r>
               <a:rPr lang="hr-HR" dirty="0"/>
-              <a:t>Microsoft Visual Studio Community 2019 (Petar, Filip, Ivan)</a:t>
+              <a:t>Microsoft Visual Studio Community 2019 (</a:t>
+            </a:r>
+            <a:r>
+              <a:rPr lang="hr-HR" b="1" i="1" u="sng" dirty="0">
+                <a:effectLst>
+                  <a:outerShdw blurRad="38100" dist="38100" dir="2700000" algn="tl">
+                    <a:srgbClr val="000000">
+                      <a:alpha val="43137"/>
+                    </a:srgbClr>
+                  </a:outerShdw>
+                </a:effectLst>
+              </a:rPr>
+              <a:t>Ana</a:t>
+            </a:r>
+            <a:r>
+              <a:rPr lang="hr-HR" dirty="0"/>
+              <a:t>, Petar, Filip, Ivan)</a:t>
             </a:r>
           </a:p>
           <a:p>
@@ -59950,13 +59990,13 @@
   <p:clrMapOvr>
     <a:masterClrMapping/>
   </p:clrMapOvr>
-  <mc:AlternateContent xmlns:mc="http://schemas.openxmlformats.org/markup-compatibility/2006">
-    <mc:Choice xmlns:p14="http://schemas.microsoft.com/office/powerpoint/2010/main" Requires="p14">
+  <mc:AlternateContent xmlns:mc="http://schemas.openxmlformats.org/markup-compatibility/2006" xmlns:p14="http://schemas.microsoft.com/office/powerpoint/2010/main">
+    <mc:Choice Requires="p14">
       <p:transition spd="med" p14:dur="700">
         <p:fade/>
       </p:transition>
     </mc:Choice>
-    <mc:Fallback>
+    <mc:Fallback xmlns="">
       <p:transition spd="med">
         <p:fade/>
       </p:transition>
@@ -60143,13 +60183,13 @@
   <p:clrMapOvr>
     <a:masterClrMapping/>
   </p:clrMapOvr>
-  <mc:AlternateContent xmlns:mc="http://schemas.openxmlformats.org/markup-compatibility/2006">
-    <mc:Choice xmlns:p14="http://schemas.microsoft.com/office/powerpoint/2010/main" Requires="p14">
+  <mc:AlternateContent xmlns:mc="http://schemas.openxmlformats.org/markup-compatibility/2006" xmlns:p14="http://schemas.microsoft.com/office/powerpoint/2010/main">
+    <mc:Choice Requires="p14">
       <p:transition spd="med" p14:dur="700">
         <p:fade/>
       </p:transition>
     </mc:Choice>
-    <mc:Fallback>
+    <mc:Fallback xmlns="">
       <p:transition spd="med">
         <p:fade/>
       </p:transition>
@@ -60265,13 +60305,13 @@
   <p:clrMapOvr>
     <a:masterClrMapping/>
   </p:clrMapOvr>
-  <mc:AlternateContent xmlns:mc="http://schemas.openxmlformats.org/markup-compatibility/2006">
-    <mc:Choice xmlns:p14="http://schemas.microsoft.com/office/powerpoint/2010/main" Requires="p14">
+  <mc:AlternateContent xmlns:mc="http://schemas.openxmlformats.org/markup-compatibility/2006" xmlns:p14="http://schemas.microsoft.com/office/powerpoint/2010/main">
+    <mc:Choice Requires="p14">
       <p:transition spd="med" p14:dur="700">
         <p:fade/>
       </p:transition>
     </mc:Choice>
-    <mc:Fallback>
+    <mc:Fallback xmlns="">
       <p:transition spd="med">
         <p:fade/>
       </p:transition>
@@ -60344,6 +60384,42 @@
           <a:p>
             <a:pPr lvl="1"/>
             <a:r>
+              <a:rPr lang="hr-HR" b="1" i="1" u="sng" dirty="0">
+                <a:effectLst>
+                  <a:outerShdw blurRad="38100" dist="38100" dir="2700000" algn="tl">
+                    <a:srgbClr val="000000">
+                      <a:alpha val="43137"/>
+                    </a:srgbClr>
+                  </a:outerShdw>
+                </a:effectLst>
+              </a:rPr>
+              <a:t>Ana </a:t>
+            </a:r>
+            <a:r>
+              <a:rPr lang="hr-HR" b="1" i="1" u="sng" dirty="0" err="1">
+                <a:effectLst>
+                  <a:outerShdw blurRad="38100" dist="38100" dir="2700000" algn="tl">
+                    <a:srgbClr val="000000">
+                      <a:alpha val="43137"/>
+                    </a:srgbClr>
+                  </a:outerShdw>
+                </a:effectLst>
+              </a:rPr>
+              <a:t>Šobot</a:t>
+            </a:r>
+            <a:endParaRPr lang="hr-HR" b="1" i="1" u="sng" dirty="0">
+              <a:effectLst>
+                <a:outerShdw blurRad="38100" dist="38100" dir="2700000" algn="tl">
+                  <a:srgbClr val="000000">
+                    <a:alpha val="43137"/>
+                  </a:srgbClr>
+                </a:outerShdw>
+              </a:effectLst>
+            </a:endParaRPr>
+          </a:p>
+          <a:p>
+            <a:pPr lvl="1"/>
+            <a:r>
               <a:rPr lang="hr-HR" dirty="0"/>
               <a:t>Danica Vladić</a:t>
             </a:r>
@@ -60353,13 +60429,6 @@
             <a:r>
               <a:rPr lang="hr-HR" dirty="0"/>
               <a:t>Filip Todorić</a:t>
-            </a:r>
-          </a:p>
-          <a:p>
-            <a:pPr lvl="1"/>
-            <a:r>
-              <a:rPr lang="hr-HR" dirty="0"/>
-              <a:t>Ana Šobot</a:t>
             </a:r>
           </a:p>
           <a:p>
@@ -60457,13 +60526,13 @@
   <p:clrMapOvr>
     <a:masterClrMapping/>
   </p:clrMapOvr>
-  <mc:AlternateContent xmlns:mc="http://schemas.openxmlformats.org/markup-compatibility/2006">
-    <mc:Choice xmlns:p14="http://schemas.microsoft.com/office/powerpoint/2010/main" Requires="p14">
+  <mc:AlternateContent xmlns:mc="http://schemas.openxmlformats.org/markup-compatibility/2006" xmlns:p14="http://schemas.microsoft.com/office/powerpoint/2010/main">
+    <mc:Choice Requires="p14">
       <p:transition spd="med" p14:dur="700">
         <p:fade/>
       </p:transition>
     </mc:Choice>
-    <mc:Fallback>
+    <mc:Fallback xmlns="">
       <p:transition spd="med">
         <p:fade/>
       </p:transition>

--- a/[HiveMind] KKRudesWebapp.pptx
+++ b/[HiveMind] KKRudesWebapp.pptx
@@ -5,7 +5,7 @@
     <p:sldMasterId id="2147483672" r:id="rId1"/>
   </p:sldMasterIdLst>
   <p:notesMasterIdLst>
-    <p:notesMasterId r:id="rId14"/>
+    <p:notesMasterId r:id="rId13"/>
   </p:notesMasterIdLst>
   <p:sldIdLst>
     <p:sldId id="256" r:id="rId2"/>
@@ -19,7 +19,6 @@
     <p:sldId id="262" r:id="rId10"/>
     <p:sldId id="263" r:id="rId11"/>
     <p:sldId id="267" r:id="rId12"/>
-    <p:sldId id="264" r:id="rId13"/>
   </p:sldIdLst>
   <p:sldSz cx="9144000" cy="6858000" type="screen4x3"/>
   <p:notesSz cx="6858000" cy="9144000"/>
@@ -53804,6 +53803,9 @@
   <p:clrMapOvr>
     <a:masterClrMapping/>
   </p:clrMapOvr>
+  <p:transition>
+    <p:fade/>
+  </p:transition>
   <p:timing>
     <p:tnLst>
       <p:par>
@@ -54198,6 +54200,9 @@
   <p:clrMapOvr>
     <a:masterClrMapping/>
   </p:clrMapOvr>
+  <p:transition>
+    <p:fade/>
+  </p:transition>
 </p:sldLayout>
 </file>
 
@@ -54386,6 +54391,9 @@
   <p:clrMapOvr>
     <a:masterClrMapping/>
   </p:clrMapOvr>
+  <p:transition>
+    <p:fade/>
+  </p:transition>
 </p:sldLayout>
 </file>
 
@@ -54584,6 +54592,9 @@
   <p:clrMapOvr>
     <a:masterClrMapping/>
   </p:clrMapOvr>
+  <p:transition>
+    <p:fade/>
+  </p:transition>
 </p:sldLayout>
 </file>
 
@@ -54896,6 +54907,9 @@
   <p:clrMapOvr>
     <a:masterClrMapping/>
   </p:clrMapOvr>
+  <p:transition>
+    <p:fade/>
+  </p:transition>
   <p:hf hdr="0" ftr="0" dt="0"/>
 </p:sldLayout>
 </file>
@@ -55261,6 +55275,9 @@
   <p:clrMapOvr>
     <a:masterClrMapping/>
   </p:clrMapOvr>
+  <p:transition>
+    <p:fade/>
+  </p:transition>
   <p:hf hdr="0" ftr="0" dt="0"/>
 </p:sldLayout>
 </file>
@@ -55489,6 +55506,9 @@
   <p:clrMapOvr>
     <a:masterClrMapping/>
   </p:clrMapOvr>
+  <p:transition>
+    <p:fade/>
+  </p:transition>
 </p:sldLayout>
 </file>
 
@@ -55699,6 +55719,9 @@
   <p:clrMapOvr>
     <a:masterClrMapping/>
   </p:clrMapOvr>
+  <p:transition>
+    <p:fade/>
+  </p:transition>
 </p:sldLayout>
 </file>
 
@@ -55954,6 +55977,9 @@
   <p:clrMapOvr>
     <a:masterClrMapping/>
   </p:clrMapOvr>
+  <p:transition>
+    <p:fade/>
+  </p:transition>
   <p:hf hdr="0" ftr="0" dt="0"/>
 </p:sldLayout>
 </file>
@@ -56283,6 +56309,9 @@
   <p:clrMapOvr>
     <a:masterClrMapping/>
   </p:clrMapOvr>
+  <p:transition>
+    <p:fade/>
+  </p:transition>
 </p:sldLayout>
 </file>
 
@@ -56728,6 +56757,9 @@
   <p:clrMapOvr>
     <a:masterClrMapping/>
   </p:clrMapOvr>
+  <p:transition>
+    <p:fade/>
+  </p:transition>
 </p:sldLayout>
 </file>
 
@@ -56864,6 +56896,9 @@
   <p:clrMapOvr>
     <a:masterClrMapping/>
   </p:clrMapOvr>
+  <p:transition>
+    <p:fade/>
+  </p:transition>
 </p:sldLayout>
 </file>
 
@@ -57040,6 +57075,9 @@
   <p:clrMapOvr>
     <a:masterClrMapping/>
   </p:clrMapOvr>
+  <p:transition>
+    <p:fade/>
+  </p:transition>
 </p:sldLayout>
 </file>
 
@@ -57337,6 +57375,9 @@
   <p:clrMapOvr>
     <a:masterClrMapping/>
   </p:clrMapOvr>
+  <p:transition>
+    <p:fade/>
+  </p:transition>
 </p:sldLayout>
 </file>
 
@@ -57880,6 +57921,9 @@
     <p:sldLayoutId id="2147483685" r:id="rId13"/>
     <p:sldLayoutId id="2147483686" r:id="rId14"/>
   </p:sldLayoutIdLst>
+  <p:transition>
+    <p:fade/>
+  </p:transition>
   <p:timing>
     <p:tnLst>
       <p:par>
@@ -58543,18 +58587,9 @@
   <p:clrMapOvr>
     <a:masterClrMapping/>
   </p:clrMapOvr>
-  <mc:AlternateContent xmlns:mc="http://schemas.openxmlformats.org/markup-compatibility/2006" xmlns:p14="http://schemas.microsoft.com/office/powerpoint/2010/main">
-    <mc:Choice Requires="p14">
-      <p:transition spd="med" p14:dur="700">
-        <p:fade/>
-      </p:transition>
-    </mc:Choice>
-    <mc:Fallback xmlns="">
-      <p:transition spd="med">
-        <p:fade/>
-      </p:transition>
-    </mc:Fallback>
-  </mc:AlternateContent>
+  <p:transition>
+    <p:fade/>
+  </p:transition>
 </p:sld>
 </file>
 
@@ -58614,37 +58649,84 @@
           <a:p>
             <a:r>
               <a:rPr lang="hr-HR" dirty="0"/>
-              <a:t>Što je bilo dobro, a što je moglo bolje</a:t>
+              <a:t>Dobre stvari:</a:t>
             </a:r>
           </a:p>
           <a:p>
             <a:pPr lvl="1"/>
             <a:r>
               <a:rPr lang="hr-HR" dirty="0"/>
-              <a:t>A što se nikako ne bi smjelo ponoviti </a:t>
-            </a:r>
-            <a:r>
-              <a:rPr lang="hr-HR" dirty="0">
-                <a:sym typeface="Wingdings" panose="05000000000000000000" pitchFamily="2" charset="2"/>
-              </a:rPr>
-              <a:t></a:t>
+              <a:t>Odlična komunikacija unutar tima</a:t>
             </a:r>
           </a:p>
           <a:p>
             <a:pPr lvl="1"/>
-            <a:endParaRPr lang="hr-HR" dirty="0">
-              <a:sym typeface="Wingdings" panose="05000000000000000000" pitchFamily="2" charset="2"/>
-            </a:endParaRPr>
+            <a:r>
+              <a:rPr lang="hr-HR" dirty="0"/>
+              <a:t>Odabir tehnologije</a:t>
+            </a:r>
+          </a:p>
+          <a:p>
+            <a:pPr lvl="2"/>
+            <a:r>
+              <a:rPr lang="hr-HR" dirty="0"/>
+              <a:t>Vue.js vrlo jednostavan, C# sličan Javi s kojom je većina upoznata</a:t>
+            </a:r>
+          </a:p>
+          <a:p>
+            <a:pPr lvl="2"/>
+            <a:r>
+              <a:rPr lang="hr-HR" dirty="0"/>
+              <a:t>Radni okvir jasan i odličan za upoznavanje s novim tehnologijama u razvoju web aplikacija za sve nas</a:t>
+            </a:r>
+          </a:p>
+          <a:p>
+            <a:pPr lvl="1"/>
+            <a:r>
+              <a:rPr lang="hr-HR" dirty="0"/>
+              <a:t>Kontinuirani rad, nismo puno toga radili u zadnji čas</a:t>
+            </a:r>
           </a:p>
           <a:p>
             <a:r>
               <a:rPr lang="hr-HR" dirty="0"/>
-              <a:t>Good stuff:</a:t>
+              <a:t>Moglo je bolje:</a:t>
             </a:r>
           </a:p>
           <a:p>
             <a:pPr lvl="1"/>
-            <a:endParaRPr lang="hr-HR" dirty="0"/>
+            <a:r>
+              <a:rPr lang="hr-HR" dirty="0"/>
+              <a:t>Malo raniji početak implementacije, pogotovo frontenda</a:t>
+            </a:r>
+          </a:p>
+          <a:p>
+            <a:pPr lvl="1"/>
+            <a:r>
+              <a:rPr lang="hr-HR" dirty="0"/>
+              <a:t>Planiranje dizajna</a:t>
+            </a:r>
+          </a:p>
+          <a:p>
+            <a:pPr lvl="1"/>
+            <a:r>
+              <a:rPr lang="hr-HR" dirty="0"/>
+              <a:t>Podjela posla na dokumentaciji</a:t>
+            </a:r>
+          </a:p>
+          <a:p>
+            <a:pPr lvl="1"/>
+            <a:r>
+              <a:rPr lang="hr-HR" dirty="0"/>
+              <a:t>Raniji deployment na Azure</a:t>
+            </a:r>
+          </a:p>
+          <a:p>
+            <a:pPr lvl="2"/>
+            <a:r>
+              <a:rPr lang="hr-HR" dirty="0"/>
+              <a:t>Izbjegli bismo mnogo problema i nerviranja s bazom na Mac OS-u i Windowsima puno ranije te uštedili vremena</a:t>
+            </a:r>
           </a:p>
         </p:txBody>
       </p:sp>
@@ -58681,18 +58763,9 @@
   <p:clrMapOvr>
     <a:masterClrMapping/>
   </p:clrMapOvr>
-  <mc:AlternateContent xmlns:mc="http://schemas.openxmlformats.org/markup-compatibility/2006" xmlns:p14="http://schemas.microsoft.com/office/powerpoint/2010/main">
-    <mc:Choice Requires="p14">
-      <p:transition spd="med" p14:dur="700">
-        <p:fade/>
-      </p:transition>
-    </mc:Choice>
-    <mc:Fallback xmlns="">
-      <p:transition spd="med">
-        <p:fade/>
-      </p:transition>
-    </mc:Fallback>
-  </mc:AlternateContent>
+  <p:transition>
+    <p:fade/>
+  </p:transition>
 </p:sld>
 </file>
 
@@ -58751,48 +58824,6 @@
           <a:lstStyle/>
           <a:p>
             <a:r>
-              <a:rPr lang="hr-HR" b="1" i="1" u="sng" dirty="0">
-                <a:effectLst>
-                  <a:outerShdw blurRad="38100" dist="38100" dir="2700000" algn="tl">
-                    <a:srgbClr val="000000">
-                      <a:alpha val="43137"/>
-                    </a:srgbClr>
-                  </a:outerShdw>
-                </a:effectLst>
-                <a:sym typeface="Wingdings" panose="05000000000000000000" pitchFamily="2" charset="2"/>
-              </a:rPr>
-              <a:t>Ana </a:t>
-            </a:r>
-            <a:r>
-              <a:rPr lang="hr-HR" b="1" i="1" u="sng" dirty="0" err="1">
-                <a:effectLst>
-                  <a:outerShdw blurRad="38100" dist="38100" dir="2700000" algn="tl">
-                    <a:srgbClr val="000000">
-                      <a:alpha val="43137"/>
-                    </a:srgbClr>
-                  </a:outerShdw>
-                </a:effectLst>
-                <a:sym typeface="Wingdings" panose="05000000000000000000" pitchFamily="2" charset="2"/>
-              </a:rPr>
-              <a:t>Šobot</a:t>
-            </a:r>
-            <a:r>
-              <a:rPr lang="hr-HR" dirty="0">
-                <a:sym typeface="Wingdings" panose="05000000000000000000" pitchFamily="2" charset="2"/>
-              </a:rPr>
-              <a:t>  </a:t>
-            </a:r>
-            <a:r>
-              <a:rPr lang="hr-HR" dirty="0">
-                <a:sym typeface="Wingdings" panose="05000000000000000000" pitchFamily="2" charset="2"/>
-                <a:hlinkClick r:id="rId2"/>
-              </a:rPr>
-              <a:t>Ana.Sobot@fer.hr</a:t>
-            </a:r>
-            <a:endParaRPr lang="hr-HR" dirty="0"/>
-          </a:p>
-          <a:p>
-            <a:r>
               <a:rPr lang="hr-HR" dirty="0"/>
               <a:t>Frano Rajič </a:t>
             </a:r>
@@ -58808,9 +58839,63 @@
             </a:r>
             <a:r>
               <a:rPr lang="hr-HR" dirty="0">
+                <a:hlinkClick r:id="rId2"/>
+              </a:rPr>
+              <a:t>Frano.Rajic@fer.hr</a:t>
+            </a:r>
+            <a:endParaRPr lang="hr-HR" dirty="0">
+              <a:sym typeface="Wingdings" panose="05000000000000000000" pitchFamily="2" charset="2"/>
+            </a:endParaRPr>
+          </a:p>
+          <a:p>
+            <a:r>
+              <a:rPr lang="hr-HR" dirty="0">
+                <a:sym typeface="Wingdings" panose="05000000000000000000" pitchFamily="2" charset="2"/>
+              </a:rPr>
+              <a:t>Ana Šobot  </a:t>
+            </a:r>
+            <a:r>
+              <a:rPr lang="hr-HR" dirty="0">
+                <a:sym typeface="Wingdings" panose="05000000000000000000" pitchFamily="2" charset="2"/>
                 <a:hlinkClick r:id="rId3"/>
               </a:rPr>
-              <a:t>Frano.Rajic@fer.hr</a:t>
+              <a:t>Ana.Sobot@fer.hr</a:t>
+            </a:r>
+            <a:endParaRPr lang="hr-HR" dirty="0">
+              <a:sym typeface="Wingdings" panose="05000000000000000000" pitchFamily="2" charset="2"/>
+            </a:endParaRPr>
+          </a:p>
+          <a:p>
+            <a:r>
+              <a:rPr lang="hr-HR" dirty="0">
+                <a:sym typeface="Wingdings" panose="05000000000000000000" pitchFamily="2" charset="2"/>
+              </a:rPr>
+              <a:t>Danica Vladić  </a:t>
+            </a:r>
+            <a:r>
+              <a:rPr lang="hr-HR" dirty="0">
+                <a:sym typeface="Wingdings" panose="05000000000000000000" pitchFamily="2" charset="2"/>
+                <a:hlinkClick r:id="rId4"/>
+              </a:rPr>
+              <a:t>Danica.Vladic@fer.hr</a:t>
+            </a:r>
+            <a:endParaRPr lang="hr-HR" dirty="0">
+              <a:sym typeface="Wingdings" panose="05000000000000000000" pitchFamily="2" charset="2"/>
+            </a:endParaRPr>
+          </a:p>
+          <a:p>
+            <a:r>
+              <a:rPr lang="hr-HR" dirty="0">
+                <a:sym typeface="Wingdings" panose="05000000000000000000" pitchFamily="2" charset="2"/>
+              </a:rPr>
+              <a:t>Dorotea Franjić  </a:t>
+            </a:r>
+            <a:r>
+              <a:rPr lang="hr-HR" dirty="0">
+                <a:sym typeface="Wingdings" panose="05000000000000000000" pitchFamily="2" charset="2"/>
+                <a:hlinkClick r:id="rId5"/>
+              </a:rPr>
+              <a:t>Dorotea.Franjic@fer.hr</a:t>
             </a:r>
             <a:endParaRPr lang="hr-HR" dirty="0"/>
           </a:p>
@@ -58828,45 +58913,9 @@
             <a:r>
               <a:rPr lang="hr-HR" dirty="0">
                 <a:sym typeface="Wingdings" panose="05000000000000000000" pitchFamily="2" charset="2"/>
-                <a:hlinkClick r:id="rId4"/>
+                <a:hlinkClick r:id="rId6"/>
               </a:rPr>
               <a:t>Filip.Todoric@fer.hr</a:t>
-            </a:r>
-            <a:endParaRPr lang="hr-HR" dirty="0">
-              <a:sym typeface="Wingdings" panose="05000000000000000000" pitchFamily="2" charset="2"/>
-            </a:endParaRPr>
-          </a:p>
-          <a:p>
-            <a:r>
-              <a:rPr lang="hr-HR" dirty="0">
-                <a:sym typeface="Wingdings" panose="05000000000000000000" pitchFamily="2" charset="2"/>
-              </a:rPr>
-              <a:t>Danica Vladić  </a:t>
-            </a:r>
-            <a:r>
-              <a:rPr lang="hr-HR" dirty="0">
-                <a:sym typeface="Wingdings" panose="05000000000000000000" pitchFamily="2" charset="2"/>
-                <a:hlinkClick r:id="rId5"/>
-              </a:rPr>
-              <a:t>Danica.Vladic@fer.hr</a:t>
-            </a:r>
-            <a:endParaRPr lang="hr-HR" dirty="0">
-              <a:sym typeface="Wingdings" panose="05000000000000000000" pitchFamily="2" charset="2"/>
-            </a:endParaRPr>
-          </a:p>
-          <a:p>
-            <a:r>
-              <a:rPr lang="hr-HR" dirty="0">
-                <a:sym typeface="Wingdings" panose="05000000000000000000" pitchFamily="2" charset="2"/>
-              </a:rPr>
-              <a:t>Dorotea Franjić  </a:t>
-            </a:r>
-            <a:r>
-              <a:rPr lang="hr-HR" dirty="0">
-                <a:sym typeface="Wingdings" panose="05000000000000000000" pitchFamily="2" charset="2"/>
-                <a:hlinkClick r:id="rId6"/>
-              </a:rPr>
-              <a:t>Dorotea.Franjic@fer.hr</a:t>
             </a:r>
             <a:endParaRPr lang="hr-HR" dirty="0">
               <a:sym typeface="Wingdings" panose="05000000000000000000" pitchFamily="2" charset="2"/>
@@ -58943,191 +58992,9 @@
   <p:clrMapOvr>
     <a:masterClrMapping/>
   </p:clrMapOvr>
-  <mc:AlternateContent xmlns:mc="http://schemas.openxmlformats.org/markup-compatibility/2006" xmlns:p14="http://schemas.microsoft.com/office/powerpoint/2010/main">
-    <mc:Choice Requires="p14">
-      <p:transition spd="med" p14:dur="700">
-        <p:fade/>
-      </p:transition>
-    </mc:Choice>
-    <mc:Fallback xmlns="">
-      <p:transition spd="med">
-        <p:fade/>
-      </p:transition>
-    </mc:Fallback>
-  </mc:AlternateContent>
-</p:sld>
-</file>
-
-<file path=ppt/slides/slide12.xml><?xml version="1.0" encoding="utf-8"?>
-<p:sld xmlns:a="http://schemas.openxmlformats.org/drawingml/2006/main" xmlns:r="http://schemas.openxmlformats.org/officeDocument/2006/relationships" xmlns:p="http://schemas.openxmlformats.org/presentationml/2006/main">
-  <p:cSld>
-    <p:spTree>
-      <p:nvGrpSpPr>
-        <p:cNvPr id="1" name=""/>
-        <p:cNvGrpSpPr/>
-        <p:nvPr/>
-      </p:nvGrpSpPr>
-      <p:grpSpPr>
-        <a:xfrm>
-          <a:off x="0" y="0"/>
-          <a:ext cx="0" cy="0"/>
-          <a:chOff x="0" y="0"/>
-          <a:chExt cx="0" cy="0"/>
-        </a:xfrm>
-      </p:grpSpPr>
-      <p:sp>
-        <p:nvSpPr>
-          <p:cNvPr id="2" name="Title 1"/>
-          <p:cNvSpPr>
-            <a:spLocks noGrp="1"/>
-          </p:cNvSpPr>
-          <p:nvPr>
-            <p:ph type="title"/>
-          </p:nvPr>
-        </p:nvSpPr>
-        <p:spPr/>
-        <p:txBody>
-          <a:bodyPr/>
-          <a:lstStyle/>
-          <a:p>
-            <a:r>
-              <a:rPr lang="hr-HR" i="1" dirty="0"/>
-              <a:t>Nekoliko savjeta</a:t>
-            </a:r>
-          </a:p>
-        </p:txBody>
-      </p:sp>
-      <p:sp>
-        <p:nvSpPr>
-          <p:cNvPr id="3" name="Content Placeholder 2"/>
-          <p:cNvSpPr>
-            <a:spLocks noGrp="1"/>
-          </p:cNvSpPr>
-          <p:nvPr>
-            <p:ph idx="1"/>
-          </p:nvPr>
-        </p:nvSpPr>
-        <p:spPr/>
-        <p:txBody>
-          <a:bodyPr>
-            <a:normAutofit lnSpcReduction="10000"/>
-          </a:bodyPr>
-          <a:lstStyle/>
-          <a:p>
-            <a:r>
-              <a:rPr lang="hr-HR" dirty="0"/>
-              <a:t>Zlatno pravilo dobre prezentacije: </a:t>
-            </a:r>
-          </a:p>
-          <a:p>
-            <a:pPr lvl="1"/>
-            <a:r>
-              <a:rPr lang="hr-HR" dirty="0"/>
-              <a:t>na svakom slajdu 6 natuknica s po 6 riječi</a:t>
-            </a:r>
-          </a:p>
-          <a:p>
-            <a:r>
-              <a:rPr lang="hr-HR" dirty="0"/>
-              <a:t>10ak slajdova je sasvim dovoljno – istaknite samo najvažnije činjenice</a:t>
-            </a:r>
-          </a:p>
-          <a:p>
-            <a:r>
-              <a:rPr lang="hr-HR" dirty="0"/>
-              <a:t>Dizajn možete mijenjati po volji, ali ne smije zasjeniti sadržaj (doslovno! - sve mora biti čitko i pregledno)</a:t>
-            </a:r>
-          </a:p>
-          <a:p>
-            <a:r>
-              <a:rPr lang="hr-HR" dirty="0"/>
-              <a:t>Na zadnjem slajdu stavite popis članova grupe s email adresama</a:t>
-            </a:r>
-          </a:p>
-          <a:p>
-            <a:endParaRPr lang="hr-HR" dirty="0"/>
-          </a:p>
-          <a:p>
-            <a:r>
-              <a:rPr lang="hr-HR" dirty="0"/>
-              <a:t>Kod izlaganja na satu:</a:t>
-            </a:r>
-          </a:p>
-          <a:p>
-            <a:pPr lvl="1"/>
-            <a:r>
-              <a:rPr lang="hr-HR" dirty="0"/>
-              <a:t>Pokrenite sve potrebne programe i alate na računalu prije početka Vašeg izlaganja te provjerite kompatibilnost opreme!</a:t>
-            </a:r>
-          </a:p>
-          <a:p>
-            <a:pPr lvl="1"/>
-            <a:r>
-              <a:rPr lang="hr-HR" dirty="0"/>
-              <a:t>Dobro uvježbajte prezentaciju.</a:t>
-            </a:r>
-          </a:p>
-          <a:p>
-            <a:pPr lvl="1"/>
-            <a:r>
-              <a:rPr lang="hr-HR" dirty="0"/>
-              <a:t>Izlaganje traje najviše 15 min i sastoji se od ppt prezentacije, demonstracije rada aplikacije i pitanja iz publike – </a:t>
-            </a:r>
-            <a:r>
-              <a:rPr lang="hr-HR" b="1" dirty="0"/>
-              <a:t>poštujte zadani vremenski okvir!</a:t>
-            </a:r>
-          </a:p>
-          <a:p>
-            <a:endParaRPr lang="hr-HR" dirty="0"/>
-          </a:p>
-        </p:txBody>
-      </p:sp>
-      <p:sp>
-        <p:nvSpPr>
-          <p:cNvPr id="4" name="Slide Number Placeholder 3"/>
-          <p:cNvSpPr>
-            <a:spLocks noGrp="1"/>
-          </p:cNvSpPr>
-          <p:nvPr>
-            <p:ph type="sldNum" sz="quarter" idx="12"/>
-          </p:nvPr>
-        </p:nvSpPr>
-        <p:spPr/>
-        <p:txBody>
-          <a:bodyPr/>
-          <a:lstStyle/>
-          <a:p>
-            <a:fld id="{FAA41844-C0CA-4144-9D6C-D993F0C0FAB4}" type="slidenum">
-              <a:rPr lang="hr-HR" smtClean="0"/>
-              <a:t>12</a:t>
-            </a:fld>
-            <a:endParaRPr lang="hr-HR" dirty="0"/>
-          </a:p>
-        </p:txBody>
-      </p:sp>
-    </p:spTree>
-    <p:extLst>
-      <p:ext uri="{BB962C8B-B14F-4D97-AF65-F5344CB8AC3E}">
-        <p14:creationId xmlns:p14="http://schemas.microsoft.com/office/powerpoint/2010/main" val="3641737146"/>
-      </p:ext>
-    </p:extLst>
-  </p:cSld>
-  <p:clrMapOvr>
-    <a:masterClrMapping/>
-  </p:clrMapOvr>
-  <mc:AlternateContent xmlns:mc="http://schemas.openxmlformats.org/markup-compatibility/2006" xmlns:p14="http://schemas.microsoft.com/office/powerpoint/2010/main">
-    <mc:Choice Requires="p14">
-      <p:transition spd="med" p14:dur="700">
-        <p:fade/>
-      </p:transition>
-    </mc:Choice>
-    <mc:Fallback xmlns="">
-      <p:transition spd="med">
-        <p:fade/>
-      </p:transition>
-    </mc:Fallback>
-  </mc:AlternateContent>
+  <p:transition>
+    <p:fade/>
+  </p:transition>
 </p:sld>
 </file>
 
@@ -59255,18 +59122,9 @@
   <p:clrMapOvr>
     <a:masterClrMapping/>
   </p:clrMapOvr>
-  <mc:AlternateContent xmlns:mc="http://schemas.openxmlformats.org/markup-compatibility/2006" xmlns:p14="http://schemas.microsoft.com/office/powerpoint/2010/main">
-    <mc:Choice Requires="p14">
-      <p:transition spd="med" p14:dur="700">
-        <p:fade/>
-      </p:transition>
-    </mc:Choice>
-    <mc:Fallback xmlns="">
-      <p:transition spd="med">
-        <p:fade/>
-      </p:transition>
-    </mc:Fallback>
-  </mc:AlternateContent>
+  <p:transition>
+    <p:fade/>
+  </p:transition>
 </p:sld>
 </file>
 
@@ -59465,18 +59323,9 @@
   <p:clrMapOvr>
     <a:masterClrMapping/>
   </p:clrMapOvr>
-  <mc:AlternateContent xmlns:mc="http://schemas.openxmlformats.org/markup-compatibility/2006" xmlns:p14="http://schemas.microsoft.com/office/powerpoint/2010/main">
-    <mc:Choice Requires="p14">
-      <p:transition spd="med" p14:dur="700">
-        <p:fade/>
-      </p:transition>
-    </mc:Choice>
-    <mc:Fallback xmlns="">
-      <p:transition spd="med">
-        <p:fade/>
-      </p:transition>
-    </mc:Fallback>
-  </mc:AlternateContent>
+  <p:transition>
+    <p:fade/>
+  </p:transition>
 </p:sld>
 </file>
 
@@ -59623,18 +59472,9 @@
   <p:clrMapOvr>
     <a:masterClrMapping/>
   </p:clrMapOvr>
-  <mc:AlternateContent xmlns:mc="http://schemas.openxmlformats.org/markup-compatibility/2006" xmlns:p14="http://schemas.microsoft.com/office/powerpoint/2010/main">
-    <mc:Choice Requires="p14">
-      <p:transition spd="med" p14:dur="700">
-        <p:fade/>
-      </p:transition>
-    </mc:Choice>
-    <mc:Fallback xmlns="">
-      <p:transition spd="med">
-        <p:fade/>
-      </p:transition>
-    </mc:Fallback>
-  </mc:AlternateContent>
+  <p:transition>
+    <p:fade/>
+  </p:transition>
 </p:sld>
 </file>
 
@@ -59729,20 +59569,6 @@
             <a:pPr lvl="1"/>
             <a:r>
               <a:rPr lang="hr-HR" dirty="0"/>
-              <a:t>Implementacija frontend-a koristeći Vue.js JavaScript library te Bootstrap</a:t>
-            </a:r>
-          </a:p>
-          <a:p>
-            <a:pPr lvl="1"/>
-            <a:r>
-              <a:rPr lang="hr-HR" dirty="0"/>
-              <a:t>Implementacija backend-a u programskom jeziku C#</a:t>
-            </a:r>
-          </a:p>
-          <a:p>
-            <a:pPr lvl="1"/>
-            <a:r>
-              <a:rPr lang="hr-HR" dirty="0"/>
               <a:t>Korištenje radnog okvira ASP.NET Core 3 MVC (kasnije .NET 5)</a:t>
             </a:r>
           </a:p>
@@ -59781,18 +59607,9 @@
   <p:clrMapOvr>
     <a:masterClrMapping/>
   </p:clrMapOvr>
-  <mc:AlternateContent xmlns:mc="http://schemas.openxmlformats.org/markup-compatibility/2006" xmlns:p14="http://schemas.microsoft.com/office/powerpoint/2010/main">
-    <mc:Choice Requires="p14">
-      <p:transition spd="med" p14:dur="700">
-        <p:fade/>
-      </p:transition>
-    </mc:Choice>
-    <mc:Fallback xmlns="">
-      <p:transition spd="med">
-        <p:fade/>
-      </p:transition>
-    </mc:Fallback>
-  </mc:AlternateContent>
+  <p:transition>
+    <p:fade/>
+  </p:transition>
 </p:sld>
 </file>
 
@@ -59866,23 +59683,7 @@
             <a:pPr lvl="2"/>
             <a:r>
               <a:rPr lang="hr-HR" dirty="0"/>
-              <a:t>Microsoft Visual Studio Community 2019 (</a:t>
-            </a:r>
-            <a:r>
-              <a:rPr lang="hr-HR" b="1" i="1" u="sng" dirty="0">
-                <a:effectLst>
-                  <a:outerShdw blurRad="38100" dist="38100" dir="2700000" algn="tl">
-                    <a:srgbClr val="000000">
-                      <a:alpha val="43137"/>
-                    </a:srgbClr>
-                  </a:outerShdw>
-                </a:effectLst>
-              </a:rPr>
-              <a:t>Ana</a:t>
-            </a:r>
-            <a:r>
-              <a:rPr lang="hr-HR" dirty="0"/>
-              <a:t>, Petar, Filip, Ivan)</a:t>
+              <a:t>Microsoft Visual Studio Community 2019 (Ana, Filip, Petar, Ivan)</a:t>
             </a:r>
           </a:p>
           <a:p>
@@ -59990,18 +59791,9 @@
   <p:clrMapOvr>
     <a:masterClrMapping/>
   </p:clrMapOvr>
-  <mc:AlternateContent xmlns:mc="http://schemas.openxmlformats.org/markup-compatibility/2006" xmlns:p14="http://schemas.microsoft.com/office/powerpoint/2010/main">
-    <mc:Choice Requires="p14">
-      <p:transition spd="med" p14:dur="700">
-        <p:fade/>
-      </p:transition>
-    </mc:Choice>
-    <mc:Fallback xmlns="">
-      <p:transition spd="med">
-        <p:fade/>
-      </p:transition>
-    </mc:Fallback>
-  </mc:AlternateContent>
+  <p:transition>
+    <p:fade/>
+  </p:transition>
 </p:sld>
 </file>
 
@@ -60183,18 +59975,9 @@
   <p:clrMapOvr>
     <a:masterClrMapping/>
   </p:clrMapOvr>
-  <mc:AlternateContent xmlns:mc="http://schemas.openxmlformats.org/markup-compatibility/2006" xmlns:p14="http://schemas.microsoft.com/office/powerpoint/2010/main">
-    <mc:Choice Requires="p14">
-      <p:transition spd="med" p14:dur="700">
-        <p:fade/>
-      </p:transition>
-    </mc:Choice>
-    <mc:Fallback xmlns="">
-      <p:transition spd="med">
-        <p:fade/>
-      </p:transition>
-    </mc:Fallback>
-  </mc:AlternateContent>
+  <p:transition>
+    <p:fade/>
+  </p:transition>
 </p:sld>
 </file>
 
@@ -60305,18 +60088,9 @@
   <p:clrMapOvr>
     <a:masterClrMapping/>
   </p:clrMapOvr>
-  <mc:AlternateContent xmlns:mc="http://schemas.openxmlformats.org/markup-compatibility/2006" xmlns:p14="http://schemas.microsoft.com/office/powerpoint/2010/main">
-    <mc:Choice Requires="p14">
-      <p:transition spd="med" p14:dur="700">
-        <p:fade/>
-      </p:transition>
-    </mc:Choice>
-    <mc:Fallback xmlns="">
-      <p:transition spd="med">
-        <p:fade/>
-      </p:transition>
-    </mc:Fallback>
-  </mc:AlternateContent>
+  <p:transition>
+    <p:fade/>
+  </p:transition>
 </p:sld>
 </file>
 
@@ -60384,38 +60158,14 @@
           <a:p>
             <a:pPr lvl="1"/>
             <a:r>
-              <a:rPr lang="hr-HR" b="1" i="1" u="sng" dirty="0">
-                <a:effectLst>
-                  <a:outerShdw blurRad="38100" dist="38100" dir="2700000" algn="tl">
-                    <a:srgbClr val="000000">
-                      <a:alpha val="43137"/>
-                    </a:srgbClr>
-                  </a:outerShdw>
-                </a:effectLst>
-              </a:rPr>
+              <a:rPr lang="hr-HR" dirty="0"/>
               <a:t>Ana </a:t>
             </a:r>
             <a:r>
-              <a:rPr lang="hr-HR" b="1" i="1" u="sng" dirty="0" err="1">
-                <a:effectLst>
-                  <a:outerShdw blurRad="38100" dist="38100" dir="2700000" algn="tl">
-                    <a:srgbClr val="000000">
-                      <a:alpha val="43137"/>
-                    </a:srgbClr>
-                  </a:outerShdw>
-                </a:effectLst>
-              </a:rPr>
+              <a:rPr lang="hr-HR" dirty="0" err="1"/>
               <a:t>Šobot</a:t>
             </a:r>
-            <a:endParaRPr lang="hr-HR" b="1" i="1" u="sng" dirty="0">
-              <a:effectLst>
-                <a:outerShdw blurRad="38100" dist="38100" dir="2700000" algn="tl">
-                  <a:srgbClr val="000000">
-                    <a:alpha val="43137"/>
-                  </a:srgbClr>
-                </a:outerShdw>
-              </a:effectLst>
-            </a:endParaRPr>
+            <a:endParaRPr lang="hr-HR" dirty="0"/>
           </a:p>
           <a:p>
             <a:pPr lvl="1"/>
@@ -60526,18 +60276,9 @@
   <p:clrMapOvr>
     <a:masterClrMapping/>
   </p:clrMapOvr>
-  <mc:AlternateContent xmlns:mc="http://schemas.openxmlformats.org/markup-compatibility/2006" xmlns:p14="http://schemas.microsoft.com/office/powerpoint/2010/main">
-    <mc:Choice Requires="p14">
-      <p:transition spd="med" p14:dur="700">
-        <p:fade/>
-      </p:transition>
-    </mc:Choice>
-    <mc:Fallback xmlns="">
-      <p:transition spd="med">
-        <p:fade/>
-      </p:transition>
-    </mc:Fallback>
-  </mc:AlternateContent>
+  <p:transition>
+    <p:fade/>
+  </p:transition>
 </p:sld>
 </file>
 
